--- a/Folien/Zwischenpräsention.pptx
+++ b/Folien/Zwischenpräsention.pptx
@@ -5,19 +5,18 @@
     <p:sldMasterId id="2147483676" r:id="rId1"/>
   </p:sldMasterIdLst>
   <p:notesMasterIdLst>
-    <p:notesMasterId r:id="rId9"/>
+    <p:notesMasterId r:id="rId8"/>
   </p:notesMasterIdLst>
   <p:handoutMasterIdLst>
-    <p:handoutMasterId r:id="rId10"/>
+    <p:handoutMasterId r:id="rId9"/>
   </p:handoutMasterIdLst>
   <p:sldIdLst>
     <p:sldId id="256" r:id="rId2"/>
     <p:sldId id="257" r:id="rId3"/>
     <p:sldId id="265" r:id="rId4"/>
-    <p:sldId id="264" r:id="rId5"/>
-    <p:sldId id="266" r:id="rId6"/>
-    <p:sldId id="268" r:id="rId7"/>
-    <p:sldId id="267" r:id="rId8"/>
+    <p:sldId id="266" r:id="rId5"/>
+    <p:sldId id="264" r:id="rId6"/>
+    <p:sldId id="267" r:id="rId7"/>
   </p:sldIdLst>
   <p:sldSz cx="12192000" cy="6858000"/>
   <p:notesSz cx="6797675" cy="9926638"/>
@@ -250,7 +249,7 @@
               <a:defRPr sz="1400"/>
             </a:pPr>
             <a:fld id="{19AD9DEB-1287-4276-93B8-A90F7A8ACC98}" type="datetimeFigureOut">
-              <a:t>23.11.2018</a:t>
+              <a:t>29.11.2018</a:t>
             </a:fld>
             <a:endParaRPr lang="de-DE" sz="1300">
               <a:latin typeface="Arial" pitchFamily="18"/>
@@ -512,7 +511,7 @@
           <a:p>
             <a:pPr lvl="0"/>
             <a:fld id="{11659E72-87A1-4CF1-8D01-275DDB4C3C2C}" type="datetimeFigureOut">
-              <a:t>23.11.2018</a:t>
+              <a:t>29.11.2018</a:t>
             </a:fld>
             <a:endParaRPr lang="de-DE"/>
           </a:p>
@@ -832,6 +831,176 @@
     <p:extLst>
       <p:ext uri="{BB962C8B-B14F-4D97-AF65-F5344CB8AC3E}">
         <p14:creationId xmlns:p14="http://schemas.microsoft.com/office/powerpoint/2010/main" val="1775702244"/>
+      </p:ext>
+    </p:extLst>
+  </p:cSld>
+  <p:clrMapOvr>
+    <a:masterClrMapping/>
+  </p:clrMapOvr>
+</p:notes>
+</file>
+
+<file path=ppt/notesSlides/notesSlide2.xml><?xml version="1.0" encoding="utf-8"?>
+<p:notes xmlns:a="http://schemas.openxmlformats.org/drawingml/2006/main" xmlns:r="http://schemas.openxmlformats.org/officeDocument/2006/relationships" xmlns:p="http://schemas.openxmlformats.org/presentationml/2006/main">
+  <p:cSld>
+    <p:spTree>
+      <p:nvGrpSpPr>
+        <p:cNvPr id="1" name=""/>
+        <p:cNvGrpSpPr/>
+        <p:nvPr/>
+      </p:nvGrpSpPr>
+      <p:grpSpPr>
+        <a:xfrm>
+          <a:off x="0" y="0"/>
+          <a:ext cx="0" cy="0"/>
+          <a:chOff x="0" y="0"/>
+          <a:chExt cx="0" cy="0"/>
+        </a:xfrm>
+      </p:grpSpPr>
+      <p:sp>
+        <p:nvSpPr>
+          <p:cNvPr id="2" name="Folienbildplatzhalter 1"/>
+          <p:cNvSpPr>
+            <a:spLocks noGrp="1" noRot="1" noChangeAspect="1"/>
+          </p:cNvSpPr>
+          <p:nvPr>
+            <p:ph type="sldImg"/>
+          </p:nvPr>
+        </p:nvSpPr>
+        <p:spPr/>
+      </p:sp>
+      <p:sp>
+        <p:nvSpPr>
+          <p:cNvPr id="3" name="Notizenplatzhalter 2"/>
+          <p:cNvSpPr>
+            <a:spLocks noGrp="1"/>
+          </p:cNvSpPr>
+          <p:nvPr>
+            <p:ph type="body" idx="1"/>
+          </p:nvPr>
+        </p:nvSpPr>
+        <p:spPr/>
+        <p:txBody>
+          <a:bodyPr/>
+          <a:lstStyle/>
+          <a:p>
+            <a:endParaRPr lang="de-DE" dirty="0"/>
+          </a:p>
+        </p:txBody>
+      </p:sp>
+      <p:sp>
+        <p:nvSpPr>
+          <p:cNvPr id="4" name="Foliennummernplatzhalter 3"/>
+          <p:cNvSpPr>
+            <a:spLocks noGrp="1"/>
+          </p:cNvSpPr>
+          <p:nvPr>
+            <p:ph type="sldNum" sz="quarter" idx="5"/>
+          </p:nvPr>
+        </p:nvSpPr>
+        <p:spPr/>
+        <p:txBody>
+          <a:bodyPr/>
+          <a:lstStyle/>
+          <a:p>
+            <a:pPr lvl="0"/>
+            <a:fld id="{C3130AF7-4063-4984-92A8-A8D35B0012B8}" type="slidenum">
+              <a:rPr lang="de-DE" smtClean="0"/>
+              <a:t>2</a:t>
+            </a:fld>
+            <a:endParaRPr lang="de-DE"/>
+          </a:p>
+        </p:txBody>
+      </p:sp>
+    </p:spTree>
+    <p:extLst>
+      <p:ext uri="{BB962C8B-B14F-4D97-AF65-F5344CB8AC3E}">
+        <p14:creationId xmlns:p14="http://schemas.microsoft.com/office/powerpoint/2010/main" val="1390150613"/>
+      </p:ext>
+    </p:extLst>
+  </p:cSld>
+  <p:clrMapOvr>
+    <a:masterClrMapping/>
+  </p:clrMapOvr>
+</p:notes>
+</file>
+
+<file path=ppt/notesSlides/notesSlide3.xml><?xml version="1.0" encoding="utf-8"?>
+<p:notes xmlns:a="http://schemas.openxmlformats.org/drawingml/2006/main" xmlns:r="http://schemas.openxmlformats.org/officeDocument/2006/relationships" xmlns:p="http://schemas.openxmlformats.org/presentationml/2006/main">
+  <p:cSld>
+    <p:spTree>
+      <p:nvGrpSpPr>
+        <p:cNvPr id="1" name=""/>
+        <p:cNvGrpSpPr/>
+        <p:nvPr/>
+      </p:nvGrpSpPr>
+      <p:grpSpPr>
+        <a:xfrm>
+          <a:off x="0" y="0"/>
+          <a:ext cx="0" cy="0"/>
+          <a:chOff x="0" y="0"/>
+          <a:chExt cx="0" cy="0"/>
+        </a:xfrm>
+      </p:grpSpPr>
+      <p:sp>
+        <p:nvSpPr>
+          <p:cNvPr id="2" name="Folienbildplatzhalter 1"/>
+          <p:cNvSpPr>
+            <a:spLocks noGrp="1" noRot="1" noChangeAspect="1"/>
+          </p:cNvSpPr>
+          <p:nvPr>
+            <p:ph type="sldImg"/>
+          </p:nvPr>
+        </p:nvSpPr>
+        <p:spPr/>
+      </p:sp>
+      <p:sp>
+        <p:nvSpPr>
+          <p:cNvPr id="3" name="Notizenplatzhalter 2"/>
+          <p:cNvSpPr>
+            <a:spLocks noGrp="1"/>
+          </p:cNvSpPr>
+          <p:nvPr>
+            <p:ph type="body" idx="1"/>
+          </p:nvPr>
+        </p:nvSpPr>
+        <p:spPr/>
+        <p:txBody>
+          <a:bodyPr/>
+          <a:lstStyle/>
+          <a:p>
+            <a:endParaRPr lang="de-DE"/>
+          </a:p>
+        </p:txBody>
+      </p:sp>
+      <p:sp>
+        <p:nvSpPr>
+          <p:cNvPr id="4" name="Foliennummernplatzhalter 3"/>
+          <p:cNvSpPr>
+            <a:spLocks noGrp="1"/>
+          </p:cNvSpPr>
+          <p:nvPr>
+            <p:ph type="sldNum" sz="quarter" idx="5"/>
+          </p:nvPr>
+        </p:nvSpPr>
+        <p:spPr/>
+        <p:txBody>
+          <a:bodyPr/>
+          <a:lstStyle/>
+          <a:p>
+            <a:pPr lvl="0"/>
+            <a:fld id="{C3130AF7-4063-4984-92A8-A8D35B0012B8}" type="slidenum">
+              <a:rPr lang="de-DE" smtClean="0"/>
+              <a:t>5</a:t>
+            </a:fld>
+            <a:endParaRPr lang="de-DE"/>
+          </a:p>
+        </p:txBody>
+      </p:sp>
+    </p:spTree>
+    <p:extLst>
+      <p:ext uri="{BB962C8B-B14F-4D97-AF65-F5344CB8AC3E}">
+        <p14:creationId xmlns:p14="http://schemas.microsoft.com/office/powerpoint/2010/main" val="4024264875"/>
       </p:ext>
     </p:extLst>
   </p:cSld>
@@ -1987,7 +2156,7 @@
           <p:nvPr/>
         </p:nvPicPr>
         <p:blipFill>
-          <a:blip r:embed="rId2"/>
+          <a:blip r:embed="rId3"/>
           <a:srcRect/>
           <a:stretch>
             <a:fillRect/>
@@ -2392,6 +2561,165 @@
 </file>
 
 <file path=ppt/slides/slide4.xml><?xml version="1.0" encoding="utf-8"?>
+<p:sld xmlns:a="http://schemas.openxmlformats.org/drawingml/2006/main" xmlns:r="http://schemas.openxmlformats.org/officeDocument/2006/relationships" xmlns:p="http://schemas.openxmlformats.org/presentationml/2006/main">
+  <p:cSld>
+    <p:spTree>
+      <p:nvGrpSpPr>
+        <p:cNvPr id="1" name=""/>
+        <p:cNvGrpSpPr/>
+        <p:nvPr/>
+      </p:nvGrpSpPr>
+      <p:grpSpPr>
+        <a:xfrm>
+          <a:off x="0" y="0"/>
+          <a:ext cx="0" cy="0"/>
+          <a:chOff x="0" y="0"/>
+          <a:chExt cx="0" cy="0"/>
+        </a:xfrm>
+      </p:grpSpPr>
+      <p:sp>
+        <p:nvSpPr>
+          <p:cNvPr id="5" name="Title 3">
+            <a:extLst>
+              <a:ext uri="{FF2B5EF4-FFF2-40B4-BE49-F238E27FC236}">
+                <a16:creationId xmlns:a16="http://schemas.microsoft.com/office/drawing/2014/main" id="{C92F7047-9358-4D3E-BACA-63F6BA1AE8C3}"/>
+              </a:ext>
+            </a:extLst>
+          </p:cNvPr>
+          <p:cNvSpPr txBox="1">
+            <a:spLocks/>
+          </p:cNvSpPr>
+          <p:nvPr/>
+        </p:nvSpPr>
+        <p:spPr>
+          <a:xfrm>
+            <a:off x="1439482" y="260648"/>
+            <a:ext cx="9313035" cy="792088"/>
+          </a:xfrm>
+          <a:prstGeom prst="rect">
+            <a:avLst/>
+          </a:prstGeom>
+        </p:spPr>
+        <p:txBody>
+          <a:bodyPr>
+            <a:noAutofit/>
+          </a:bodyPr>
+          <a:lstStyle>
+            <a:lvl1pPr algn="ctr" defTabSz="1219170" rtl="0" eaLnBrk="1" latinLnBrk="0" hangingPunct="1">
+              <a:spcBef>
+                <a:spcPct val="0"/>
+              </a:spcBef>
+              <a:buNone/>
+              <a:defRPr lang="de-DE" sz="5867" kern="1200">
+                <a:solidFill>
+                  <a:srgbClr val="00549F"/>
+                </a:solidFill>
+                <a:latin typeface="+mj-lt"/>
+                <a:ea typeface="+mj-ea"/>
+                <a:cs typeface="+mj-cs"/>
+              </a:defRPr>
+            </a:lvl1pPr>
+          </a:lstStyle>
+          <a:p>
+            <a:r>
+              <a:rPr lang="de-DE" sz="4800" dirty="0">
+                <a:solidFill>
+                  <a:srgbClr val="0070C0"/>
+                </a:solidFill>
+              </a:rPr>
+              <a:t>Entwurf</a:t>
+            </a:r>
+            <a:endParaRPr lang="de-DE" sz="4800" dirty="0"/>
+          </a:p>
+        </p:txBody>
+      </p:sp>
+      <p:sp>
+        <p:nvSpPr>
+          <p:cNvPr id="2" name="Rechteck 1">
+            <a:extLst>
+              <a:ext uri="{FF2B5EF4-FFF2-40B4-BE49-F238E27FC236}">
+                <a16:creationId xmlns:a16="http://schemas.microsoft.com/office/drawing/2014/main" id="{3F620B56-75FE-4B7B-A075-5679FE803F39}"/>
+              </a:ext>
+            </a:extLst>
+          </p:cNvPr>
+          <p:cNvSpPr/>
+          <p:nvPr/>
+        </p:nvSpPr>
+        <p:spPr>
+          <a:xfrm>
+            <a:off x="695400" y="1390658"/>
+            <a:ext cx="10801200" cy="923330"/>
+          </a:xfrm>
+          <a:prstGeom prst="rect">
+            <a:avLst/>
+          </a:prstGeom>
+        </p:spPr>
+        <p:txBody>
+          <a:bodyPr wrap="square">
+            <a:spAutoFit/>
+          </a:bodyPr>
+          <a:lstStyle/>
+          <a:p>
+            <a:endParaRPr lang="de-DE" dirty="0"/>
+          </a:p>
+          <a:p>
+            <a:endParaRPr lang="de-DE" dirty="0"/>
+          </a:p>
+          <a:p>
+            <a:endParaRPr lang="de-DE" dirty="0"/>
+          </a:p>
+        </p:txBody>
+      </p:sp>
+      <p:pic>
+        <p:nvPicPr>
+          <p:cNvPr id="7" name="Grafik 6">
+            <a:extLst>
+              <a:ext uri="{FF2B5EF4-FFF2-40B4-BE49-F238E27FC236}">
+                <a16:creationId xmlns:a16="http://schemas.microsoft.com/office/drawing/2014/main" id="{7F7E0045-5CF7-4423-AE38-3CC60ECB7FC7}"/>
+              </a:ext>
+            </a:extLst>
+          </p:cNvPr>
+          <p:cNvPicPr>
+            <a:picLocks noChangeAspect="1"/>
+          </p:cNvPicPr>
+          <p:nvPr/>
+        </p:nvPicPr>
+        <p:blipFill>
+          <a:blip r:embed="rId2" cstate="print">
+            <a:extLst>
+              <a:ext uri="{28A0092B-C50C-407E-A947-70E740481C1C}">
+                <a14:useLocalDpi xmlns:a14="http://schemas.microsoft.com/office/drawing/2010/main" val="0"/>
+              </a:ext>
+            </a:extLst>
+          </a:blip>
+          <a:stretch>
+            <a:fillRect/>
+          </a:stretch>
+        </p:blipFill>
+        <p:spPr>
+          <a:xfrm>
+            <a:off x="1710531" y="1052736"/>
+            <a:ext cx="8770936" cy="5816715"/>
+          </a:xfrm>
+          <a:prstGeom prst="rect">
+            <a:avLst/>
+          </a:prstGeom>
+        </p:spPr>
+      </p:pic>
+    </p:spTree>
+    <p:extLst>
+      <p:ext uri="{BB962C8B-B14F-4D97-AF65-F5344CB8AC3E}">
+        <p14:creationId xmlns:p14="http://schemas.microsoft.com/office/powerpoint/2010/main" val="4286965496"/>
+      </p:ext>
+    </p:extLst>
+  </p:cSld>
+  <p:clrMapOvr>
+    <a:masterClrMapping/>
+  </p:clrMapOvr>
+</p:sld>
+</file>
+
+<file path=ppt/slides/slide5.xml><?xml version="1.0" encoding="utf-8"?>
 <p:sld xmlns:a="http://schemas.openxmlformats.org/drawingml/2006/main" xmlns:r="http://schemas.openxmlformats.org/officeDocument/2006/relationships" xmlns:p="http://schemas.openxmlformats.org/presentationml/2006/main">
   <p:cSld>
     <p:spTree>
@@ -2778,7 +3106,7 @@
           <p:nvPr/>
         </p:nvPicPr>
         <p:blipFill>
-          <a:blip r:embed="rId2"/>
+          <a:blip r:embed="rId3"/>
           <a:stretch>
             <a:fillRect/>
           </a:stretch>
@@ -2810,253 +3138,7 @@
 </p:sld>
 </file>
 
-<file path=ppt/slides/slide5.xml><?xml version="1.0" encoding="utf-8"?>
-<p:sld xmlns:a="http://schemas.openxmlformats.org/drawingml/2006/main" xmlns:r="http://schemas.openxmlformats.org/officeDocument/2006/relationships" xmlns:p="http://schemas.openxmlformats.org/presentationml/2006/main">
-  <p:cSld>
-    <p:spTree>
-      <p:nvGrpSpPr>
-        <p:cNvPr id="1" name=""/>
-        <p:cNvGrpSpPr/>
-        <p:nvPr/>
-      </p:nvGrpSpPr>
-      <p:grpSpPr>
-        <a:xfrm>
-          <a:off x="0" y="0"/>
-          <a:ext cx="0" cy="0"/>
-          <a:chOff x="0" y="0"/>
-          <a:chExt cx="0" cy="0"/>
-        </a:xfrm>
-      </p:grpSpPr>
-      <p:sp>
-        <p:nvSpPr>
-          <p:cNvPr id="5" name="Title 3">
-            <a:extLst>
-              <a:ext uri="{FF2B5EF4-FFF2-40B4-BE49-F238E27FC236}">
-                <a16:creationId xmlns:a16="http://schemas.microsoft.com/office/drawing/2014/main" id="{C92F7047-9358-4D3E-BACA-63F6BA1AE8C3}"/>
-              </a:ext>
-            </a:extLst>
-          </p:cNvPr>
-          <p:cNvSpPr txBox="1">
-            <a:spLocks/>
-          </p:cNvSpPr>
-          <p:nvPr/>
-        </p:nvSpPr>
-        <p:spPr>
-          <a:xfrm>
-            <a:off x="1439482" y="260648"/>
-            <a:ext cx="9313035" cy="792088"/>
-          </a:xfrm>
-          <a:prstGeom prst="rect">
-            <a:avLst/>
-          </a:prstGeom>
-        </p:spPr>
-        <p:txBody>
-          <a:bodyPr>
-            <a:noAutofit/>
-          </a:bodyPr>
-          <a:lstStyle>
-            <a:lvl1pPr algn="ctr" defTabSz="1219170" rtl="0" eaLnBrk="1" latinLnBrk="0" hangingPunct="1">
-              <a:spcBef>
-                <a:spcPct val="0"/>
-              </a:spcBef>
-              <a:buNone/>
-              <a:defRPr lang="de-DE" sz="5867" kern="1200">
-                <a:solidFill>
-                  <a:srgbClr val="00549F"/>
-                </a:solidFill>
-                <a:latin typeface="+mj-lt"/>
-                <a:ea typeface="+mj-ea"/>
-                <a:cs typeface="+mj-cs"/>
-              </a:defRPr>
-            </a:lvl1pPr>
-          </a:lstStyle>
-          <a:p>
-            <a:r>
-              <a:rPr lang="de-DE" sz="4800" dirty="0">
-                <a:solidFill>
-                  <a:srgbClr val="0070C0"/>
-                </a:solidFill>
-              </a:rPr>
-              <a:t>Entwurf</a:t>
-            </a:r>
-            <a:endParaRPr lang="de-DE" sz="4800" dirty="0"/>
-          </a:p>
-        </p:txBody>
-      </p:sp>
-      <p:sp>
-        <p:nvSpPr>
-          <p:cNvPr id="2" name="Rechteck 1">
-            <a:extLst>
-              <a:ext uri="{FF2B5EF4-FFF2-40B4-BE49-F238E27FC236}">
-                <a16:creationId xmlns:a16="http://schemas.microsoft.com/office/drawing/2014/main" id="{3F620B56-75FE-4B7B-A075-5679FE803F39}"/>
-              </a:ext>
-            </a:extLst>
-          </p:cNvPr>
-          <p:cNvSpPr/>
-          <p:nvPr/>
-        </p:nvSpPr>
-        <p:spPr>
-          <a:xfrm>
-            <a:off x="695400" y="1390658"/>
-            <a:ext cx="10801200" cy="923330"/>
-          </a:xfrm>
-          <a:prstGeom prst="rect">
-            <a:avLst/>
-          </a:prstGeom>
-        </p:spPr>
-        <p:txBody>
-          <a:bodyPr wrap="square">
-            <a:spAutoFit/>
-          </a:bodyPr>
-          <a:lstStyle/>
-          <a:p>
-            <a:endParaRPr lang="de-DE" dirty="0"/>
-          </a:p>
-          <a:p>
-            <a:endParaRPr lang="de-DE" dirty="0"/>
-          </a:p>
-          <a:p>
-            <a:endParaRPr lang="de-DE" dirty="0"/>
-          </a:p>
-        </p:txBody>
-      </p:sp>
-    </p:spTree>
-    <p:extLst>
-      <p:ext uri="{BB962C8B-B14F-4D97-AF65-F5344CB8AC3E}">
-        <p14:creationId xmlns:p14="http://schemas.microsoft.com/office/powerpoint/2010/main" val="4286965496"/>
-      </p:ext>
-    </p:extLst>
-  </p:cSld>
-  <p:clrMapOvr>
-    <a:masterClrMapping/>
-  </p:clrMapOvr>
-</p:sld>
-</file>
-
 <file path=ppt/slides/slide6.xml><?xml version="1.0" encoding="utf-8"?>
-<p:sld xmlns:a="http://schemas.openxmlformats.org/drawingml/2006/main" xmlns:r="http://schemas.openxmlformats.org/officeDocument/2006/relationships" xmlns:p="http://schemas.openxmlformats.org/presentationml/2006/main">
-  <p:cSld>
-    <p:spTree>
-      <p:nvGrpSpPr>
-        <p:cNvPr id="1" name=""/>
-        <p:cNvGrpSpPr/>
-        <p:nvPr/>
-      </p:nvGrpSpPr>
-      <p:grpSpPr>
-        <a:xfrm>
-          <a:off x="0" y="0"/>
-          <a:ext cx="0" cy="0"/>
-          <a:chOff x="0" y="0"/>
-          <a:chExt cx="0" cy="0"/>
-        </a:xfrm>
-      </p:grpSpPr>
-      <p:sp>
-        <p:nvSpPr>
-          <p:cNvPr id="5" name="Title 3">
-            <a:extLst>
-              <a:ext uri="{FF2B5EF4-FFF2-40B4-BE49-F238E27FC236}">
-                <a16:creationId xmlns:a16="http://schemas.microsoft.com/office/drawing/2014/main" id="{C92F7047-9358-4D3E-BACA-63F6BA1AE8C3}"/>
-              </a:ext>
-            </a:extLst>
-          </p:cNvPr>
-          <p:cNvSpPr txBox="1">
-            <a:spLocks/>
-          </p:cNvSpPr>
-          <p:nvPr/>
-        </p:nvSpPr>
-        <p:spPr>
-          <a:xfrm>
-            <a:off x="1439482" y="260648"/>
-            <a:ext cx="9313035" cy="792088"/>
-          </a:xfrm>
-          <a:prstGeom prst="rect">
-            <a:avLst/>
-          </a:prstGeom>
-        </p:spPr>
-        <p:txBody>
-          <a:bodyPr>
-            <a:noAutofit/>
-          </a:bodyPr>
-          <a:lstStyle>
-            <a:lvl1pPr algn="ctr" defTabSz="1219170" rtl="0" eaLnBrk="1" latinLnBrk="0" hangingPunct="1">
-              <a:spcBef>
-                <a:spcPct val="0"/>
-              </a:spcBef>
-              <a:buNone/>
-              <a:defRPr lang="de-DE" sz="5867" kern="1200">
-                <a:solidFill>
-                  <a:srgbClr val="00549F"/>
-                </a:solidFill>
-                <a:latin typeface="+mj-lt"/>
-                <a:ea typeface="+mj-ea"/>
-                <a:cs typeface="+mj-cs"/>
-              </a:defRPr>
-            </a:lvl1pPr>
-          </a:lstStyle>
-          <a:p>
-            <a:r>
-              <a:rPr lang="de-DE" sz="4800" dirty="0">
-                <a:solidFill>
-                  <a:srgbClr val="0070C0"/>
-                </a:solidFill>
-              </a:rPr>
-              <a:t>Idee</a:t>
-            </a:r>
-            <a:endParaRPr lang="de-DE" sz="4800" dirty="0"/>
-          </a:p>
-        </p:txBody>
-      </p:sp>
-      <p:sp>
-        <p:nvSpPr>
-          <p:cNvPr id="2" name="Rechteck 1">
-            <a:extLst>
-              <a:ext uri="{FF2B5EF4-FFF2-40B4-BE49-F238E27FC236}">
-                <a16:creationId xmlns:a16="http://schemas.microsoft.com/office/drawing/2014/main" id="{3F620B56-75FE-4B7B-A075-5679FE803F39}"/>
-              </a:ext>
-            </a:extLst>
-          </p:cNvPr>
-          <p:cNvSpPr/>
-          <p:nvPr/>
-        </p:nvSpPr>
-        <p:spPr>
-          <a:xfrm>
-            <a:off x="695400" y="1390658"/>
-            <a:ext cx="10801200" cy="923330"/>
-          </a:xfrm>
-          <a:prstGeom prst="rect">
-            <a:avLst/>
-          </a:prstGeom>
-        </p:spPr>
-        <p:txBody>
-          <a:bodyPr wrap="square">
-            <a:spAutoFit/>
-          </a:bodyPr>
-          <a:lstStyle/>
-          <a:p>
-            <a:endParaRPr lang="de-DE" dirty="0"/>
-          </a:p>
-          <a:p>
-            <a:endParaRPr lang="de-DE" dirty="0"/>
-          </a:p>
-          <a:p>
-            <a:endParaRPr lang="de-DE" dirty="0"/>
-          </a:p>
-        </p:txBody>
-      </p:sp>
-    </p:spTree>
-    <p:extLst>
-      <p:ext uri="{BB962C8B-B14F-4D97-AF65-F5344CB8AC3E}">
-        <p14:creationId xmlns:p14="http://schemas.microsoft.com/office/powerpoint/2010/main" val="4187471740"/>
-      </p:ext>
-    </p:extLst>
-  </p:cSld>
-  <p:clrMapOvr>
-    <a:masterClrMapping/>
-  </p:clrMapOvr>
-</p:sld>
-</file>
-
-<file path=ppt/slides/slide7.xml><?xml version="1.0" encoding="utf-8"?>
 <p:sld xmlns:a="http://schemas.openxmlformats.org/drawingml/2006/main" xmlns:r="http://schemas.openxmlformats.org/officeDocument/2006/relationships" xmlns:p="http://schemas.openxmlformats.org/presentationml/2006/main">
   <p:cSld>
     <p:spTree>

--- a/Folien/Zwischenpräsention.pptx
+++ b/Folien/Zwischenpräsention.pptx
@@ -249,7 +249,7 @@
               <a:defRPr sz="1400"/>
             </a:pPr>
             <a:fld id="{19AD9DEB-1287-4276-93B8-A90F7A8ACC98}" type="datetimeFigureOut">
-              <a:t>29.11.2018</a:t>
+              <a:t>01.12.2018</a:t>
             </a:fld>
             <a:endParaRPr lang="de-DE" sz="1300">
               <a:latin typeface="Arial" pitchFamily="18"/>
@@ -511,7 +511,7 @@
           <a:p>
             <a:pPr lvl="0"/>
             <a:fld id="{11659E72-87A1-4CF1-8D01-275DDB4C3C2C}" type="datetimeFigureOut">
-              <a:t>29.11.2018</a:t>
+              <a:t>01.12.2018</a:t>
             </a:fld>
             <a:endParaRPr lang="de-DE"/>
           </a:p>
@@ -2105,13 +2105,13 @@
         <p:spPr/>
         <p:txBody>
           <a:bodyPr>
-            <a:normAutofit/>
+            <a:normAutofit fontScale="92500"/>
           </a:bodyPr>
           <a:lstStyle/>
           <a:p>
             <a:r>
               <a:rPr lang="de-DE" dirty="0"/>
-              <a:t>Hendrik Steidl</a:t>
+              <a:t>Hendrik Steidl, Hannah Mertens, Andy Tran, Lena Verscht</a:t>
             </a:r>
           </a:p>
         </p:txBody>

--- a/Folien/Zwischenpräsention.pptx
+++ b/Folien/Zwischenpräsention.pptx
@@ -249,7 +249,7 @@
               <a:defRPr sz="1400"/>
             </a:pPr>
             <a:fld id="{19AD9DEB-1287-4276-93B8-A90F7A8ACC98}" type="datetimeFigureOut">
-              <a:t>01.12.2018</a:t>
+              <a:t>04.12.2018</a:t>
             </a:fld>
             <a:endParaRPr lang="de-DE" sz="1300">
               <a:latin typeface="Arial" pitchFamily="18"/>
@@ -511,7 +511,7 @@
           <a:p>
             <a:pPr lvl="0"/>
             <a:fld id="{11659E72-87A1-4CF1-8D01-275DDB4C3C2C}" type="datetimeFigureOut">
-              <a:t>01.12.2018</a:t>
+              <a:t>04.12.2018</a:t>
             </a:fld>
             <a:endParaRPr lang="de-DE"/>
           </a:p>
@@ -2059,7 +2059,23 @@
           <a:p>
             <a:r>
               <a:rPr lang="en-US" sz="4800" dirty="0" err="1"/>
-              <a:t>Projekt-Titel</a:t>
+              <a:t>Lehrbuch</a:t>
+            </a:r>
+            <a:r>
+              <a:rPr lang="en-US" sz="4800" dirty="0"/>
+              <a:t>- und </a:t>
+            </a:r>
+            <a:r>
+              <a:rPr lang="en-US" sz="4800" dirty="0" err="1"/>
+              <a:t>Skript</a:t>
+            </a:r>
+            <a:r>
+              <a:rPr lang="en-US" sz="4800" dirty="0"/>
+              <a:t> </a:t>
+            </a:r>
+            <a:r>
+              <a:rPr lang="en-US" sz="4800" dirty="0" err="1"/>
+              <a:t>Austausch</a:t>
             </a:r>
             <a:br>
               <a:rPr lang="en-US" sz="4800" dirty="0"/>
